--- a/figs/Fig_Results_Particles.pptx
+++ b/figs/Fig_Results_Particles.pptx
@@ -243,7 +243,7 @@
           <a:p>
             <a:fld id="{2DF69B4B-5AE9-AC4D-9EFA-9FD7F0F1516D}" type="datetimeFigureOut">
               <a:rPr lang="de-DE" smtClean="0"/>
-              <a:t>12.10.18</a:t>
+              <a:t>21.10.18</a:t>
             </a:fld>
             <a:endParaRPr lang="de-DE"/>
           </a:p>
@@ -413,7 +413,7 @@
           <a:p>
             <a:fld id="{2DF69B4B-5AE9-AC4D-9EFA-9FD7F0F1516D}" type="datetimeFigureOut">
               <a:rPr lang="de-DE" smtClean="0"/>
-              <a:t>12.10.18</a:t>
+              <a:t>21.10.18</a:t>
             </a:fld>
             <a:endParaRPr lang="de-DE"/>
           </a:p>
@@ -593,7 +593,7 @@
           <a:p>
             <a:fld id="{2DF69B4B-5AE9-AC4D-9EFA-9FD7F0F1516D}" type="datetimeFigureOut">
               <a:rPr lang="de-DE" smtClean="0"/>
-              <a:t>12.10.18</a:t>
+              <a:t>21.10.18</a:t>
             </a:fld>
             <a:endParaRPr lang="de-DE"/>
           </a:p>
@@ -763,7 +763,7 @@
           <a:p>
             <a:fld id="{2DF69B4B-5AE9-AC4D-9EFA-9FD7F0F1516D}" type="datetimeFigureOut">
               <a:rPr lang="de-DE" smtClean="0"/>
-              <a:t>12.10.18</a:t>
+              <a:t>21.10.18</a:t>
             </a:fld>
             <a:endParaRPr lang="de-DE"/>
           </a:p>
@@ -1007,7 +1007,7 @@
           <a:p>
             <a:fld id="{2DF69B4B-5AE9-AC4D-9EFA-9FD7F0F1516D}" type="datetimeFigureOut">
               <a:rPr lang="de-DE" smtClean="0"/>
-              <a:t>12.10.18</a:t>
+              <a:t>21.10.18</a:t>
             </a:fld>
             <a:endParaRPr lang="de-DE"/>
           </a:p>
@@ -1239,7 +1239,7 @@
           <a:p>
             <a:fld id="{2DF69B4B-5AE9-AC4D-9EFA-9FD7F0F1516D}" type="datetimeFigureOut">
               <a:rPr lang="de-DE" smtClean="0"/>
-              <a:t>12.10.18</a:t>
+              <a:t>21.10.18</a:t>
             </a:fld>
             <a:endParaRPr lang="de-DE"/>
           </a:p>
@@ -1606,7 +1606,7 @@
           <a:p>
             <a:fld id="{2DF69B4B-5AE9-AC4D-9EFA-9FD7F0F1516D}" type="datetimeFigureOut">
               <a:rPr lang="de-DE" smtClean="0"/>
-              <a:t>12.10.18</a:t>
+              <a:t>21.10.18</a:t>
             </a:fld>
             <a:endParaRPr lang="de-DE"/>
           </a:p>
@@ -1724,7 +1724,7 @@
           <a:p>
             <a:fld id="{2DF69B4B-5AE9-AC4D-9EFA-9FD7F0F1516D}" type="datetimeFigureOut">
               <a:rPr lang="de-DE" smtClean="0"/>
-              <a:t>12.10.18</a:t>
+              <a:t>21.10.18</a:t>
             </a:fld>
             <a:endParaRPr lang="de-DE"/>
           </a:p>
@@ -1819,7 +1819,7 @@
           <a:p>
             <a:fld id="{2DF69B4B-5AE9-AC4D-9EFA-9FD7F0F1516D}" type="datetimeFigureOut">
               <a:rPr lang="de-DE" smtClean="0"/>
-              <a:t>12.10.18</a:t>
+              <a:t>21.10.18</a:t>
             </a:fld>
             <a:endParaRPr lang="de-DE"/>
           </a:p>
@@ -2096,7 +2096,7 @@
           <a:p>
             <a:fld id="{2DF69B4B-5AE9-AC4D-9EFA-9FD7F0F1516D}" type="datetimeFigureOut">
               <a:rPr lang="de-DE" smtClean="0"/>
-              <a:t>12.10.18</a:t>
+              <a:t>21.10.18</a:t>
             </a:fld>
             <a:endParaRPr lang="de-DE"/>
           </a:p>
@@ -2353,7 +2353,7 @@
           <a:p>
             <a:fld id="{2DF69B4B-5AE9-AC4D-9EFA-9FD7F0F1516D}" type="datetimeFigureOut">
               <a:rPr lang="de-DE" smtClean="0"/>
-              <a:t>12.10.18</a:t>
+              <a:t>21.10.18</a:t>
             </a:fld>
             <a:endParaRPr lang="de-DE"/>
           </a:p>
@@ -2566,7 +2566,7 @@
           <a:p>
             <a:fld id="{2DF69B4B-5AE9-AC4D-9EFA-9FD7F0F1516D}" type="datetimeFigureOut">
               <a:rPr lang="de-DE" smtClean="0"/>
-              <a:t>12.10.18</a:t>
+              <a:t>21.10.18</a:t>
             </a:fld>
             <a:endParaRPr lang="de-DE"/>
           </a:p>
@@ -2973,10 +2973,10 @@
       </p:grpSpPr>
       <p:pic>
         <p:nvPicPr>
-          <p:cNvPr id="174" name="Picture 173">
+          <p:cNvPr id="29" name="Picture 28">
             <a:extLst>
               <a:ext uri="{FF2B5EF4-FFF2-40B4-BE49-F238E27FC236}">
-                <a16:creationId xmlns:a16="http://schemas.microsoft.com/office/drawing/2014/main" id="{146877CB-2A83-DD41-A992-53D6935282F4}"/>
+                <a16:creationId xmlns:a16="http://schemas.microsoft.com/office/drawing/2014/main" id="{258AE84F-BC45-A44B-B53B-1E9D69365D7B}"/>
               </a:ext>
             </a:extLst>
           </p:cNvPr>
@@ -2999,8 +2999,8 @@
         </p:blipFill>
         <p:spPr>
           <a:xfrm>
-            <a:off x="1858200" y="13179"/>
-            <a:ext cx="1746337" cy="1351407"/>
+            <a:off x="201167" y="4994655"/>
+            <a:ext cx="2954915" cy="1969943"/>
           </a:xfrm>
           <a:prstGeom prst="rect">
             <a:avLst/>
@@ -3009,10 +3009,10 @@
       </p:pic>
       <p:pic>
         <p:nvPicPr>
-          <p:cNvPr id="175" name="Picture 174">
+          <p:cNvPr id="36" name="Picture 35">
             <a:extLst>
               <a:ext uri="{FF2B5EF4-FFF2-40B4-BE49-F238E27FC236}">
-                <a16:creationId xmlns:a16="http://schemas.microsoft.com/office/drawing/2014/main" id="{A66D5750-AD96-F54B-84F5-71EE8ED7A67B}"/>
+                <a16:creationId xmlns:a16="http://schemas.microsoft.com/office/drawing/2014/main" id="{14E78005-91E0-2D41-B5D9-0BBB43686EF9}"/>
               </a:ext>
             </a:extLst>
           </p:cNvPr>
@@ -3035,8 +3035,44 @@
         </p:blipFill>
         <p:spPr>
           <a:xfrm>
-            <a:off x="181799" y="4973612"/>
-            <a:ext cx="3007021" cy="2004681"/>
+            <a:off x="3219694" y="1549776"/>
+            <a:ext cx="2104337" cy="5475297"/>
+          </a:xfrm>
+          <a:prstGeom prst="rect">
+            <a:avLst/>
+          </a:prstGeom>
+        </p:spPr>
+      </p:pic>
+      <p:pic>
+        <p:nvPicPr>
+          <p:cNvPr id="174" name="Picture 173">
+            <a:extLst>
+              <a:ext uri="{FF2B5EF4-FFF2-40B4-BE49-F238E27FC236}">
+                <a16:creationId xmlns:a16="http://schemas.microsoft.com/office/drawing/2014/main" id="{146877CB-2A83-DD41-A992-53D6935282F4}"/>
+              </a:ext>
+            </a:extLst>
+          </p:cNvPr>
+          <p:cNvPicPr>
+            <a:picLocks noChangeAspect="1"/>
+          </p:cNvPicPr>
+          <p:nvPr/>
+        </p:nvPicPr>
+        <p:blipFill>
+          <a:blip r:embed="rId4">
+            <a:extLst>
+              <a:ext uri="{28A0092B-C50C-407E-A947-70E740481C1C}">
+                <a14:useLocalDpi xmlns:a14="http://schemas.microsoft.com/office/drawing/2010/main" val="0"/>
+              </a:ext>
+            </a:extLst>
+          </a:blip>
+          <a:stretch>
+            <a:fillRect/>
+          </a:stretch>
+        </p:blipFill>
+        <p:spPr>
+          <a:xfrm>
+            <a:off x="1858200" y="13179"/>
+            <a:ext cx="1746337" cy="1351407"/>
           </a:xfrm>
           <a:prstGeom prst="rect">
             <a:avLst/>
@@ -3058,7 +3094,7 @@
           <p:nvPr/>
         </p:nvPicPr>
         <p:blipFill rotWithShape="1">
-          <a:blip r:embed="rId4">
+          <a:blip r:embed="rId5">
             <a:extLst>
               <a:ext uri="{28A0092B-C50C-407E-A947-70E740481C1C}">
                 <a14:useLocalDpi xmlns:a14="http://schemas.microsoft.com/office/drawing/2010/main" val="0"/>
@@ -3072,42 +3108,6 @@
           <a:xfrm>
             <a:off x="3674939" y="-4145"/>
             <a:ext cx="1609353" cy="1565422"/>
-          </a:xfrm>
-          <a:prstGeom prst="rect">
-            <a:avLst/>
-          </a:prstGeom>
-        </p:spPr>
-      </p:pic>
-      <p:pic>
-        <p:nvPicPr>
-          <p:cNvPr id="177" name="Picture 176">
-            <a:extLst>
-              <a:ext uri="{FF2B5EF4-FFF2-40B4-BE49-F238E27FC236}">
-                <a16:creationId xmlns:a16="http://schemas.microsoft.com/office/drawing/2014/main" id="{F9EF3E47-0F21-244B-8E7B-C13EF777B1A9}"/>
-              </a:ext>
-            </a:extLst>
-          </p:cNvPr>
-          <p:cNvPicPr>
-            <a:picLocks noChangeAspect="1"/>
-          </p:cNvPicPr>
-          <p:nvPr/>
-        </p:nvPicPr>
-        <p:blipFill>
-          <a:blip r:embed="rId5">
-            <a:extLst>
-              <a:ext uri="{28A0092B-C50C-407E-A947-70E740481C1C}">
-                <a14:useLocalDpi xmlns:a14="http://schemas.microsoft.com/office/drawing/2010/main" val="0"/>
-              </a:ext>
-            </a:extLst>
-          </a:blip>
-          <a:stretch>
-            <a:fillRect/>
-          </a:stretch>
-        </p:blipFill>
-        <p:spPr>
-          <a:xfrm>
-            <a:off x="3217295" y="1544628"/>
-            <a:ext cx="2109689" cy="5489226"/>
           </a:xfrm>
           <a:prstGeom prst="rect">
             <a:avLst/>
@@ -3199,7 +3199,7 @@
           <p:nvPr/>
         </p:nvPicPr>
         <p:blipFill rotWithShape="1">
-          <a:blip r:embed="rId4">
+          <a:blip r:embed="rId5">
             <a:extLst>
               <a:ext uri="{28A0092B-C50C-407E-A947-70E740481C1C}">
                 <a14:useLocalDpi xmlns:a14="http://schemas.microsoft.com/office/drawing/2010/main" val="0"/>
@@ -3213,114 +3213,6 @@
           <a:xfrm>
             <a:off x="287544" y="-4145"/>
             <a:ext cx="1591437" cy="1568286"/>
-          </a:xfrm>
-          <a:prstGeom prst="rect">
-            <a:avLst/>
-          </a:prstGeom>
-        </p:spPr>
-      </p:pic>
-      <p:pic>
-        <p:nvPicPr>
-          <p:cNvPr id="181" name="Picture 180">
-            <a:extLst>
-              <a:ext uri="{FF2B5EF4-FFF2-40B4-BE49-F238E27FC236}">
-                <a16:creationId xmlns:a16="http://schemas.microsoft.com/office/drawing/2014/main" id="{79F50A64-8C7C-8849-9164-29D2822164AB}"/>
-              </a:ext>
-            </a:extLst>
-          </p:cNvPr>
-          <p:cNvPicPr>
-            <a:picLocks noChangeAspect="1"/>
-          </p:cNvPicPr>
-          <p:nvPr/>
-        </p:nvPicPr>
-        <p:blipFill>
-          <a:blip r:embed="rId7">
-            <a:extLst>
-              <a:ext uri="{28A0092B-C50C-407E-A947-70E740481C1C}">
-                <a14:useLocalDpi xmlns:a14="http://schemas.microsoft.com/office/drawing/2010/main" val="0"/>
-              </a:ext>
-            </a:extLst>
-          </a:blip>
-          <a:stretch>
-            <a:fillRect/>
-          </a:stretch>
-        </p:blipFill>
-        <p:spPr>
-          <a:xfrm>
-            <a:off x="4122417" y="1644513"/>
-            <a:ext cx="1100466" cy="1074789"/>
-          </a:xfrm>
-          <a:prstGeom prst="rect">
-            <a:avLst/>
-          </a:prstGeom>
-        </p:spPr>
-      </p:pic>
-      <p:pic>
-        <p:nvPicPr>
-          <p:cNvPr id="182" name="Picture 181">
-            <a:extLst>
-              <a:ext uri="{FF2B5EF4-FFF2-40B4-BE49-F238E27FC236}">
-                <a16:creationId xmlns:a16="http://schemas.microsoft.com/office/drawing/2014/main" id="{4444E1CE-0BAB-3C47-9D96-79287DBFD9D1}"/>
-              </a:ext>
-            </a:extLst>
-          </p:cNvPr>
-          <p:cNvPicPr>
-            <a:picLocks noChangeAspect="1"/>
-          </p:cNvPicPr>
-          <p:nvPr/>
-        </p:nvPicPr>
-        <p:blipFill>
-          <a:blip r:embed="rId8">
-            <a:extLst>
-              <a:ext uri="{28A0092B-C50C-407E-A947-70E740481C1C}">
-                <a14:useLocalDpi xmlns:a14="http://schemas.microsoft.com/office/drawing/2010/main" val="0"/>
-              </a:ext>
-            </a:extLst>
-          </a:blip>
-          <a:stretch>
-            <a:fillRect/>
-          </a:stretch>
-        </p:blipFill>
-        <p:spPr>
-          <a:xfrm>
-            <a:off x="4122417" y="3454407"/>
-            <a:ext cx="1100466" cy="1074789"/>
-          </a:xfrm>
-          <a:prstGeom prst="rect">
-            <a:avLst/>
-          </a:prstGeom>
-        </p:spPr>
-      </p:pic>
-      <p:pic>
-        <p:nvPicPr>
-          <p:cNvPr id="183" name="Picture 182">
-            <a:extLst>
-              <a:ext uri="{FF2B5EF4-FFF2-40B4-BE49-F238E27FC236}">
-                <a16:creationId xmlns:a16="http://schemas.microsoft.com/office/drawing/2014/main" id="{E867B570-1482-2A45-8A65-08A8CB5BC508}"/>
-              </a:ext>
-            </a:extLst>
-          </p:cNvPr>
-          <p:cNvPicPr>
-            <a:picLocks noChangeAspect="1"/>
-          </p:cNvPicPr>
-          <p:nvPr/>
-        </p:nvPicPr>
-        <p:blipFill>
-          <a:blip r:embed="rId9">
-            <a:extLst>
-              <a:ext uri="{28A0092B-C50C-407E-A947-70E740481C1C}">
-                <a14:useLocalDpi xmlns:a14="http://schemas.microsoft.com/office/drawing/2010/main" val="0"/>
-              </a:ext>
-            </a:extLst>
-          </a:blip>
-          <a:stretch>
-            <a:fillRect/>
-          </a:stretch>
-        </p:blipFill>
-        <p:spPr>
-          <a:xfrm>
-            <a:off x="4128971" y="5250354"/>
-            <a:ext cx="1100466" cy="1074789"/>
           </a:xfrm>
           <a:prstGeom prst="rect">
             <a:avLst/>
@@ -3817,6 +3709,114 @@
           </a:p>
         </p:txBody>
       </p:sp>
+      <p:pic>
+        <p:nvPicPr>
+          <p:cNvPr id="31" name="Picture 30">
+            <a:extLst>
+              <a:ext uri="{FF2B5EF4-FFF2-40B4-BE49-F238E27FC236}">
+                <a16:creationId xmlns:a16="http://schemas.microsoft.com/office/drawing/2014/main" id="{2B826C85-413A-A345-B6C9-3968814A0513}"/>
+              </a:ext>
+            </a:extLst>
+          </p:cNvPr>
+          <p:cNvPicPr>
+            <a:picLocks noChangeAspect="1"/>
+          </p:cNvPicPr>
+          <p:nvPr/>
+        </p:nvPicPr>
+        <p:blipFill>
+          <a:blip r:embed="rId7">
+            <a:extLst>
+              <a:ext uri="{28A0092B-C50C-407E-A947-70E740481C1C}">
+                <a14:useLocalDpi xmlns:a14="http://schemas.microsoft.com/office/drawing/2010/main" val="0"/>
+              </a:ext>
+            </a:extLst>
+          </a:blip>
+          <a:stretch>
+            <a:fillRect/>
+          </a:stretch>
+        </p:blipFill>
+        <p:spPr>
+          <a:xfrm>
+            <a:off x="4108333" y="1644319"/>
+            <a:ext cx="1128198" cy="1101874"/>
+          </a:xfrm>
+          <a:prstGeom prst="rect">
+            <a:avLst/>
+          </a:prstGeom>
+        </p:spPr>
+      </p:pic>
+      <p:pic>
+        <p:nvPicPr>
+          <p:cNvPr id="32" name="Picture 31">
+            <a:extLst>
+              <a:ext uri="{FF2B5EF4-FFF2-40B4-BE49-F238E27FC236}">
+                <a16:creationId xmlns:a16="http://schemas.microsoft.com/office/drawing/2014/main" id="{53EBF126-0F4A-BE47-9D9D-BF710FBDA648}"/>
+              </a:ext>
+            </a:extLst>
+          </p:cNvPr>
+          <p:cNvPicPr>
+            <a:picLocks noChangeAspect="1"/>
+          </p:cNvPicPr>
+          <p:nvPr/>
+        </p:nvPicPr>
+        <p:blipFill>
+          <a:blip r:embed="rId8">
+            <a:extLst>
+              <a:ext uri="{28A0092B-C50C-407E-A947-70E740481C1C}">
+                <a14:useLocalDpi xmlns:a14="http://schemas.microsoft.com/office/drawing/2010/main" val="0"/>
+              </a:ext>
+            </a:extLst>
+          </a:blip>
+          <a:stretch>
+            <a:fillRect/>
+          </a:stretch>
+        </p:blipFill>
+        <p:spPr>
+          <a:xfrm>
+            <a:off x="4108551" y="3440565"/>
+            <a:ext cx="1128198" cy="1101874"/>
+          </a:xfrm>
+          <a:prstGeom prst="rect">
+            <a:avLst/>
+          </a:prstGeom>
+        </p:spPr>
+      </p:pic>
+      <p:pic>
+        <p:nvPicPr>
+          <p:cNvPr id="33" name="Picture 32">
+            <a:extLst>
+              <a:ext uri="{FF2B5EF4-FFF2-40B4-BE49-F238E27FC236}">
+                <a16:creationId xmlns:a16="http://schemas.microsoft.com/office/drawing/2014/main" id="{572ECBB3-8DE7-C940-998D-B2A6057CA4FD}"/>
+              </a:ext>
+            </a:extLst>
+          </p:cNvPr>
+          <p:cNvPicPr>
+            <a:picLocks noChangeAspect="1"/>
+          </p:cNvPicPr>
+          <p:nvPr/>
+        </p:nvPicPr>
+        <p:blipFill>
+          <a:blip r:embed="rId9">
+            <a:extLst>
+              <a:ext uri="{28A0092B-C50C-407E-A947-70E740481C1C}">
+                <a14:useLocalDpi xmlns:a14="http://schemas.microsoft.com/office/drawing/2010/main" val="0"/>
+              </a:ext>
+            </a:extLst>
+          </a:blip>
+          <a:stretch>
+            <a:fillRect/>
+          </a:stretch>
+        </p:blipFill>
+        <p:spPr>
+          <a:xfrm>
+            <a:off x="4116116" y="5250459"/>
+            <a:ext cx="1128198" cy="1101874"/>
+          </a:xfrm>
+          <a:prstGeom prst="rect">
+            <a:avLst/>
+          </a:prstGeom>
+        </p:spPr>
+      </p:pic>
     </p:spTree>
     <p:extLst>
       <p:ext uri="{BB962C8B-B14F-4D97-AF65-F5344CB8AC3E}">
